--- a/make_presentation/templates/templates/minima/0.pptx
+++ b/make_presentation/templates/templates/minima/0.pptx
@@ -7,7 +7,7 @@
   <p:sldIdLst>
     <p:sldId id="256" r:id="rId3"/>
   </p:sldIdLst>
-  <p:sldSz cx="12192000" cy="6858000"/>
+  <p:sldSz cx="9144000" cy="5148263"/>
   <p:notesSz cx="7559675" cy="10691813"/>
 </p:presentation>
 </file>
@@ -36,7 +36,7 @@
             <a:spLocks noGrp="1"/>
           </p:cNvSpPr>
           <p:nvPr>
-            <p:ph type="ftr" idx="2"/>
+            <p:ph type="ftr" idx="1"/>
           </p:nvPr>
         </p:nvSpPr>
         <p:spPr/>
@@ -56,14 +56,14 @@
             <a:spLocks noGrp="1"/>
           </p:cNvSpPr>
           <p:nvPr>
-            <p:ph type="sldNum" idx="3"/>
+            <p:ph type="sldNum" idx="2"/>
           </p:nvPr>
         </p:nvSpPr>
         <p:spPr/>
         <p:txBody>
           <a:bodyPr/>
           <a:p>
-            <a:fld id="{C9004D87-C251-45EA-A7CA-0120C4E32240}" type="slidenum">
+            <a:fld id="{07E4FF18-56B6-438D-A971-AD16BC3FB5E8}" type="slidenum">
               <a:t>&lt;#&gt;</a:t>
             </a:fld>
           </a:p>
@@ -76,7 +76,7 @@
             <a:spLocks noGrp="1"/>
           </p:cNvSpPr>
           <p:nvPr>
-            <p:ph type="dt" idx="1"/>
+            <p:ph type="dt" idx="3"/>
           </p:nvPr>
         </p:nvSpPr>
         <p:spPr/>
@@ -124,8 +124,8 @@
         </p:nvSpPr>
         <p:spPr>
           <a:xfrm>
-            <a:off x="609120" y="273600"/>
-            <a:ext cx="10972440" cy="1144800"/>
+            <a:off x="457200" y="205200"/>
+            <a:ext cx="8229240" cy="859320"/>
           </a:xfrm>
           <a:prstGeom prst="rect">
             <a:avLst/>
@@ -144,7 +144,7 @@
               <a:solidFill>
                 <a:srgbClr val="000000"/>
               </a:solidFill>
-              <a:latin typeface="Calibri"/>
+              <a:latin typeface="Arial"/>
             </a:endParaRPr>
           </a:p>
         </p:txBody>
@@ -161,8 +161,8 @@
         </p:nvSpPr>
         <p:spPr>
           <a:xfrm>
-            <a:off x="609120" y="1604520"/>
-            <a:ext cx="10972440" cy="1896840"/>
+            <a:off x="457200" y="1204560"/>
+            <a:ext cx="8229240" cy="1423800"/>
           </a:xfrm>
           <a:prstGeom prst="rect">
             <a:avLst/>
@@ -190,7 +190,7 @@
               <a:solidFill>
                 <a:srgbClr val="000000"/>
               </a:solidFill>
-              <a:latin typeface="Calibri"/>
+              <a:latin typeface="Arial"/>
             </a:endParaRPr>
           </a:p>
         </p:txBody>
@@ -207,8 +207,8 @@
         </p:nvSpPr>
         <p:spPr>
           <a:xfrm>
-            <a:off x="609120" y="3682080"/>
-            <a:ext cx="10972440" cy="1896840"/>
+            <a:off x="457200" y="2764080"/>
+            <a:ext cx="8229240" cy="1423800"/>
           </a:xfrm>
           <a:prstGeom prst="rect">
             <a:avLst/>
@@ -236,7 +236,7 @@
               <a:solidFill>
                 <a:srgbClr val="000000"/>
               </a:solidFill>
-              <a:latin typeface="Calibri"/>
+              <a:latin typeface="Arial"/>
             </a:endParaRPr>
           </a:p>
         </p:txBody>
@@ -248,7 +248,7 @@
             <a:spLocks noGrp="1"/>
           </p:cNvSpPr>
           <p:nvPr>
-            <p:ph type="ftr" idx="2"/>
+            <p:ph type="ftr" idx="1"/>
           </p:nvPr>
         </p:nvSpPr>
         <p:spPr/>
@@ -268,14 +268,14 @@
             <a:spLocks noGrp="1"/>
           </p:cNvSpPr>
           <p:nvPr>
-            <p:ph type="sldNum" idx="3"/>
+            <p:ph type="sldNum" idx="2"/>
           </p:nvPr>
         </p:nvSpPr>
         <p:spPr/>
         <p:txBody>
           <a:bodyPr/>
           <a:p>
-            <a:fld id="{D4A41FA9-4D41-4F19-AB31-A2A7070E6158}" type="slidenum">
+            <a:fld id="{952ECE39-622C-421E-A282-7C0FDA890800}" type="slidenum">
               <a:t>&lt;#&gt;</a:t>
             </a:fld>
           </a:p>
@@ -288,7 +288,7 @@
             <a:spLocks noGrp="1"/>
           </p:cNvSpPr>
           <p:nvPr>
-            <p:ph type="dt" idx="1"/>
+            <p:ph type="dt" idx="3"/>
           </p:nvPr>
         </p:nvSpPr>
         <p:spPr/>
@@ -336,8 +336,8 @@
         </p:nvSpPr>
         <p:spPr>
           <a:xfrm>
-            <a:off x="609120" y="273600"/>
-            <a:ext cx="10972440" cy="1144800"/>
+            <a:off x="457200" y="205200"/>
+            <a:ext cx="8229240" cy="859320"/>
           </a:xfrm>
           <a:prstGeom prst="rect">
             <a:avLst/>
@@ -356,7 +356,7 @@
               <a:solidFill>
                 <a:srgbClr val="000000"/>
               </a:solidFill>
-              <a:latin typeface="Calibri"/>
+              <a:latin typeface="Arial"/>
             </a:endParaRPr>
           </a:p>
         </p:txBody>
@@ -373,8 +373,8 @@
         </p:nvSpPr>
         <p:spPr>
           <a:xfrm>
-            <a:off x="609120" y="1604520"/>
-            <a:ext cx="5354280" cy="1896840"/>
+            <a:off x="457200" y="1204560"/>
+            <a:ext cx="4015800" cy="1423800"/>
           </a:xfrm>
           <a:prstGeom prst="rect">
             <a:avLst/>
@@ -402,7 +402,7 @@
               <a:solidFill>
                 <a:srgbClr val="000000"/>
               </a:solidFill>
-              <a:latin typeface="Calibri"/>
+              <a:latin typeface="Arial"/>
             </a:endParaRPr>
           </a:p>
         </p:txBody>
@@ -419,8 +419,8 @@
         </p:nvSpPr>
         <p:spPr>
           <a:xfrm>
-            <a:off x="6231600" y="1604520"/>
-            <a:ext cx="5354280" cy="1896840"/>
+            <a:off x="4674240" y="1204560"/>
+            <a:ext cx="4015800" cy="1423800"/>
           </a:xfrm>
           <a:prstGeom prst="rect">
             <a:avLst/>
@@ -448,7 +448,7 @@
               <a:solidFill>
                 <a:srgbClr val="000000"/>
               </a:solidFill>
-              <a:latin typeface="Calibri"/>
+              <a:latin typeface="Arial"/>
             </a:endParaRPr>
           </a:p>
         </p:txBody>
@@ -465,8 +465,8 @@
         </p:nvSpPr>
         <p:spPr>
           <a:xfrm>
-            <a:off x="609120" y="3682080"/>
-            <a:ext cx="5354280" cy="1896840"/>
+            <a:off x="457200" y="2764080"/>
+            <a:ext cx="4015800" cy="1423800"/>
           </a:xfrm>
           <a:prstGeom prst="rect">
             <a:avLst/>
@@ -494,7 +494,7 @@
               <a:solidFill>
                 <a:srgbClr val="000000"/>
               </a:solidFill>
-              <a:latin typeface="Calibri"/>
+              <a:latin typeface="Arial"/>
             </a:endParaRPr>
           </a:p>
         </p:txBody>
@@ -511,8 +511,8 @@
         </p:nvSpPr>
         <p:spPr>
           <a:xfrm>
-            <a:off x="6231600" y="3682080"/>
-            <a:ext cx="5354280" cy="1896840"/>
+            <a:off x="4674240" y="2764080"/>
+            <a:ext cx="4015800" cy="1423800"/>
           </a:xfrm>
           <a:prstGeom prst="rect">
             <a:avLst/>
@@ -540,7 +540,7 @@
               <a:solidFill>
                 <a:srgbClr val="000000"/>
               </a:solidFill>
-              <a:latin typeface="Calibri"/>
+              <a:latin typeface="Arial"/>
             </a:endParaRPr>
           </a:p>
         </p:txBody>
@@ -552,7 +552,7 @@
             <a:spLocks noGrp="1"/>
           </p:cNvSpPr>
           <p:nvPr>
-            <p:ph type="ftr" idx="2"/>
+            <p:ph type="ftr" idx="1"/>
           </p:nvPr>
         </p:nvSpPr>
         <p:spPr/>
@@ -572,14 +572,14 @@
             <a:spLocks noGrp="1"/>
           </p:cNvSpPr>
           <p:nvPr>
-            <p:ph type="sldNum" idx="3"/>
+            <p:ph type="sldNum" idx="2"/>
           </p:nvPr>
         </p:nvSpPr>
         <p:spPr/>
         <p:txBody>
           <a:bodyPr/>
           <a:p>
-            <a:fld id="{6CD5A131-45EB-4ABB-8318-ABAB7FD41087}" type="slidenum">
+            <a:fld id="{F9D57F59-49EC-4589-85FD-EB676692264F}" type="slidenum">
               <a:t>&lt;#&gt;</a:t>
             </a:fld>
           </a:p>
@@ -592,7 +592,7 @@
             <a:spLocks noGrp="1"/>
           </p:cNvSpPr>
           <p:nvPr>
-            <p:ph type="dt" idx="1"/>
+            <p:ph type="dt" idx="3"/>
           </p:nvPr>
         </p:nvSpPr>
         <p:spPr/>
@@ -640,8 +640,8 @@
         </p:nvSpPr>
         <p:spPr>
           <a:xfrm>
-            <a:off x="609120" y="273600"/>
-            <a:ext cx="10972440" cy="1144800"/>
+            <a:off x="457200" y="205200"/>
+            <a:ext cx="8229240" cy="859320"/>
           </a:xfrm>
           <a:prstGeom prst="rect">
             <a:avLst/>
@@ -660,7 +660,7 @@
               <a:solidFill>
                 <a:srgbClr val="000000"/>
               </a:solidFill>
-              <a:latin typeface="Calibri"/>
+              <a:latin typeface="Arial"/>
             </a:endParaRPr>
           </a:p>
         </p:txBody>
@@ -677,8 +677,8 @@
         </p:nvSpPr>
         <p:spPr>
           <a:xfrm>
-            <a:off x="609120" y="1604520"/>
-            <a:ext cx="3533040" cy="1896840"/>
+            <a:off x="457200" y="1204560"/>
+            <a:ext cx="2649600" cy="1423800"/>
           </a:xfrm>
           <a:prstGeom prst="rect">
             <a:avLst/>
@@ -706,7 +706,7 @@
               <a:solidFill>
                 <a:srgbClr val="000000"/>
               </a:solidFill>
-              <a:latin typeface="Calibri"/>
+              <a:latin typeface="Arial"/>
             </a:endParaRPr>
           </a:p>
         </p:txBody>
@@ -723,8 +723,8 @@
         </p:nvSpPr>
         <p:spPr>
           <a:xfrm>
-            <a:off x="4319280" y="1604520"/>
-            <a:ext cx="3533040" cy="1896840"/>
+            <a:off x="3239640" y="1204560"/>
+            <a:ext cx="2649600" cy="1423800"/>
           </a:xfrm>
           <a:prstGeom prst="rect">
             <a:avLst/>
@@ -752,7 +752,7 @@
               <a:solidFill>
                 <a:srgbClr val="000000"/>
               </a:solidFill>
-              <a:latin typeface="Calibri"/>
+              <a:latin typeface="Arial"/>
             </a:endParaRPr>
           </a:p>
         </p:txBody>
@@ -769,8 +769,8 @@
         </p:nvSpPr>
         <p:spPr>
           <a:xfrm>
-            <a:off x="8029440" y="1604520"/>
-            <a:ext cx="3533040" cy="1896840"/>
+            <a:off x="6022080" y="1204560"/>
+            <a:ext cx="2649600" cy="1423800"/>
           </a:xfrm>
           <a:prstGeom prst="rect">
             <a:avLst/>
@@ -798,7 +798,7 @@
               <a:solidFill>
                 <a:srgbClr val="000000"/>
               </a:solidFill>
-              <a:latin typeface="Calibri"/>
+              <a:latin typeface="Arial"/>
             </a:endParaRPr>
           </a:p>
         </p:txBody>
@@ -815,8 +815,8 @@
         </p:nvSpPr>
         <p:spPr>
           <a:xfrm>
-            <a:off x="609120" y="3682080"/>
-            <a:ext cx="3533040" cy="1896840"/>
+            <a:off x="457200" y="2764080"/>
+            <a:ext cx="2649600" cy="1423800"/>
           </a:xfrm>
           <a:prstGeom prst="rect">
             <a:avLst/>
@@ -844,7 +844,7 @@
               <a:solidFill>
                 <a:srgbClr val="000000"/>
               </a:solidFill>
-              <a:latin typeface="Calibri"/>
+              <a:latin typeface="Arial"/>
             </a:endParaRPr>
           </a:p>
         </p:txBody>
@@ -861,8 +861,8 @@
         </p:nvSpPr>
         <p:spPr>
           <a:xfrm>
-            <a:off x="4319280" y="3682080"/>
-            <a:ext cx="3533040" cy="1896840"/>
+            <a:off x="3239640" y="2764080"/>
+            <a:ext cx="2649600" cy="1423800"/>
           </a:xfrm>
           <a:prstGeom prst="rect">
             <a:avLst/>
@@ -890,7 +890,7 @@
               <a:solidFill>
                 <a:srgbClr val="000000"/>
               </a:solidFill>
-              <a:latin typeface="Calibri"/>
+              <a:latin typeface="Arial"/>
             </a:endParaRPr>
           </a:p>
         </p:txBody>
@@ -907,8 +907,8 @@
         </p:nvSpPr>
         <p:spPr>
           <a:xfrm>
-            <a:off x="8029440" y="3682080"/>
-            <a:ext cx="3533040" cy="1896840"/>
+            <a:off x="6022080" y="2764080"/>
+            <a:ext cx="2649600" cy="1423800"/>
           </a:xfrm>
           <a:prstGeom prst="rect">
             <a:avLst/>
@@ -936,7 +936,7 @@
               <a:solidFill>
                 <a:srgbClr val="000000"/>
               </a:solidFill>
-              <a:latin typeface="Calibri"/>
+              <a:latin typeface="Arial"/>
             </a:endParaRPr>
           </a:p>
         </p:txBody>
@@ -948,7 +948,7 @@
             <a:spLocks noGrp="1"/>
           </p:cNvSpPr>
           <p:nvPr>
-            <p:ph type="ftr" idx="2"/>
+            <p:ph type="ftr" idx="1"/>
           </p:nvPr>
         </p:nvSpPr>
         <p:spPr/>
@@ -968,14 +968,14 @@
             <a:spLocks noGrp="1"/>
           </p:cNvSpPr>
           <p:nvPr>
-            <p:ph type="sldNum" idx="3"/>
+            <p:ph type="sldNum" idx="2"/>
           </p:nvPr>
         </p:nvSpPr>
         <p:spPr/>
         <p:txBody>
           <a:bodyPr/>
           <a:p>
-            <a:fld id="{0ABA9D51-C152-46B7-9164-6C4B29329C67}" type="slidenum">
+            <a:fld id="{D260CFB2-26DC-45BD-9A6E-303A0C8C1498}" type="slidenum">
               <a:t>&lt;#&gt;</a:t>
             </a:fld>
           </a:p>
@@ -988,7 +988,7 @@
             <a:spLocks noGrp="1"/>
           </p:cNvSpPr>
           <p:nvPr>
-            <p:ph type="dt" idx="1"/>
+            <p:ph type="dt" idx="3"/>
           </p:nvPr>
         </p:nvSpPr>
         <p:spPr/>
@@ -1036,8 +1036,8 @@
         </p:nvSpPr>
         <p:spPr>
           <a:xfrm>
-            <a:off x="609120" y="273600"/>
-            <a:ext cx="10972440" cy="1144800"/>
+            <a:off x="457200" y="205200"/>
+            <a:ext cx="8229240" cy="859320"/>
           </a:xfrm>
           <a:prstGeom prst="rect">
             <a:avLst/>
@@ -1056,7 +1056,7 @@
               <a:solidFill>
                 <a:srgbClr val="000000"/>
               </a:solidFill>
-              <a:latin typeface="Calibri"/>
+              <a:latin typeface="Arial"/>
             </a:endParaRPr>
           </a:p>
         </p:txBody>
@@ -1073,8 +1073,8 @@
         </p:nvSpPr>
         <p:spPr>
           <a:xfrm>
-            <a:off x="609120" y="1604520"/>
-            <a:ext cx="10972440" cy="3977280"/>
+            <a:off x="457200" y="1204560"/>
+            <a:ext cx="8229240" cy="2985480"/>
           </a:xfrm>
           <a:prstGeom prst="rect">
             <a:avLst/>
@@ -1105,7 +1105,7 @@
             <a:spLocks noGrp="1"/>
           </p:cNvSpPr>
           <p:nvPr>
-            <p:ph type="ftr" idx="2"/>
+            <p:ph type="ftr" idx="1"/>
           </p:nvPr>
         </p:nvSpPr>
         <p:spPr/>
@@ -1125,14 +1125,14 @@
             <a:spLocks noGrp="1"/>
           </p:cNvSpPr>
           <p:nvPr>
-            <p:ph type="sldNum" idx="3"/>
+            <p:ph type="sldNum" idx="2"/>
           </p:nvPr>
         </p:nvSpPr>
         <p:spPr/>
         <p:txBody>
           <a:bodyPr/>
           <a:p>
-            <a:fld id="{749268EE-841B-400E-BC30-1866C0E0F55B}" type="slidenum">
+            <a:fld id="{26053540-6EB7-442B-8D3F-BABD960D4ECA}" type="slidenum">
               <a:t>&lt;#&gt;</a:t>
             </a:fld>
           </a:p>
@@ -1145,7 +1145,7 @@
             <a:spLocks noGrp="1"/>
           </p:cNvSpPr>
           <p:nvPr>
-            <p:ph type="dt" idx="1"/>
+            <p:ph type="dt" idx="3"/>
           </p:nvPr>
         </p:nvSpPr>
         <p:spPr/>
@@ -1193,8 +1193,8 @@
         </p:nvSpPr>
         <p:spPr>
           <a:xfrm>
-            <a:off x="609120" y="273600"/>
-            <a:ext cx="10972440" cy="1144800"/>
+            <a:off x="457200" y="205200"/>
+            <a:ext cx="8229240" cy="859320"/>
           </a:xfrm>
           <a:prstGeom prst="rect">
             <a:avLst/>
@@ -1213,7 +1213,7 @@
               <a:solidFill>
                 <a:srgbClr val="000000"/>
               </a:solidFill>
-              <a:latin typeface="Calibri"/>
+              <a:latin typeface="Arial"/>
             </a:endParaRPr>
           </a:p>
         </p:txBody>
@@ -1230,8 +1230,8 @@
         </p:nvSpPr>
         <p:spPr>
           <a:xfrm>
-            <a:off x="609120" y="1604520"/>
-            <a:ext cx="10972440" cy="3977280"/>
+            <a:off x="457200" y="1204560"/>
+            <a:ext cx="8229240" cy="2985480"/>
           </a:xfrm>
           <a:prstGeom prst="rect">
             <a:avLst/>
@@ -1259,7 +1259,7 @@
               <a:solidFill>
                 <a:srgbClr val="000000"/>
               </a:solidFill>
-              <a:latin typeface="Calibri"/>
+              <a:latin typeface="Arial"/>
             </a:endParaRPr>
           </a:p>
         </p:txBody>
@@ -1271,7 +1271,7 @@
             <a:spLocks noGrp="1"/>
           </p:cNvSpPr>
           <p:nvPr>
-            <p:ph type="ftr" idx="2"/>
+            <p:ph type="ftr" idx="1"/>
           </p:nvPr>
         </p:nvSpPr>
         <p:spPr/>
@@ -1291,14 +1291,14 @@
             <a:spLocks noGrp="1"/>
           </p:cNvSpPr>
           <p:nvPr>
-            <p:ph type="sldNum" idx="3"/>
+            <p:ph type="sldNum" idx="2"/>
           </p:nvPr>
         </p:nvSpPr>
         <p:spPr/>
         <p:txBody>
           <a:bodyPr/>
           <a:p>
-            <a:fld id="{2E8C0A6D-B2F4-4D11-BB73-9FD7258146AB}" type="slidenum">
+            <a:fld id="{046209A3-79AF-4794-BD78-508EF27DD5E3}" type="slidenum">
               <a:t>&lt;#&gt;</a:t>
             </a:fld>
           </a:p>
@@ -1311,7 +1311,7 @@
             <a:spLocks noGrp="1"/>
           </p:cNvSpPr>
           <p:nvPr>
-            <p:ph type="dt" idx="1"/>
+            <p:ph type="dt" idx="3"/>
           </p:nvPr>
         </p:nvSpPr>
         <p:spPr/>
@@ -1359,8 +1359,8 @@
         </p:nvSpPr>
         <p:spPr>
           <a:xfrm>
-            <a:off x="609120" y="273600"/>
-            <a:ext cx="10972440" cy="1144800"/>
+            <a:off x="457200" y="205200"/>
+            <a:ext cx="8229240" cy="859320"/>
           </a:xfrm>
           <a:prstGeom prst="rect">
             <a:avLst/>
@@ -1379,7 +1379,7 @@
               <a:solidFill>
                 <a:srgbClr val="000000"/>
               </a:solidFill>
-              <a:latin typeface="Calibri"/>
+              <a:latin typeface="Arial"/>
             </a:endParaRPr>
           </a:p>
         </p:txBody>
@@ -1396,8 +1396,8 @@
         </p:nvSpPr>
         <p:spPr>
           <a:xfrm>
-            <a:off x="609120" y="1604520"/>
-            <a:ext cx="5354280" cy="3977280"/>
+            <a:off x="457200" y="1204560"/>
+            <a:ext cx="4015800" cy="2985480"/>
           </a:xfrm>
           <a:prstGeom prst="rect">
             <a:avLst/>
@@ -1425,7 +1425,7 @@
               <a:solidFill>
                 <a:srgbClr val="000000"/>
               </a:solidFill>
-              <a:latin typeface="Calibri"/>
+              <a:latin typeface="Arial"/>
             </a:endParaRPr>
           </a:p>
         </p:txBody>
@@ -1442,8 +1442,8 @@
         </p:nvSpPr>
         <p:spPr>
           <a:xfrm>
-            <a:off x="6231600" y="1604520"/>
-            <a:ext cx="5354280" cy="3977280"/>
+            <a:off x="4674240" y="1204560"/>
+            <a:ext cx="4015800" cy="2985480"/>
           </a:xfrm>
           <a:prstGeom prst="rect">
             <a:avLst/>
@@ -1471,7 +1471,7 @@
               <a:solidFill>
                 <a:srgbClr val="000000"/>
               </a:solidFill>
-              <a:latin typeface="Calibri"/>
+              <a:latin typeface="Arial"/>
             </a:endParaRPr>
           </a:p>
         </p:txBody>
@@ -1483,7 +1483,7 @@
             <a:spLocks noGrp="1"/>
           </p:cNvSpPr>
           <p:nvPr>
-            <p:ph type="ftr" idx="2"/>
+            <p:ph type="ftr" idx="1"/>
           </p:nvPr>
         </p:nvSpPr>
         <p:spPr/>
@@ -1503,14 +1503,14 @@
             <a:spLocks noGrp="1"/>
           </p:cNvSpPr>
           <p:nvPr>
-            <p:ph type="sldNum" idx="3"/>
+            <p:ph type="sldNum" idx="2"/>
           </p:nvPr>
         </p:nvSpPr>
         <p:spPr/>
         <p:txBody>
           <a:bodyPr/>
           <a:p>
-            <a:fld id="{DEB5379C-D1AC-4BDD-8C35-52BAA938B9F0}" type="slidenum">
+            <a:fld id="{E1E1207F-DAB6-4BEA-A974-085BE9245B62}" type="slidenum">
               <a:t>&lt;#&gt;</a:t>
             </a:fld>
           </a:p>
@@ -1523,7 +1523,7 @@
             <a:spLocks noGrp="1"/>
           </p:cNvSpPr>
           <p:nvPr>
-            <p:ph type="dt" idx="1"/>
+            <p:ph type="dt" idx="3"/>
           </p:nvPr>
         </p:nvSpPr>
         <p:spPr/>
@@ -1571,8 +1571,8 @@
         </p:nvSpPr>
         <p:spPr>
           <a:xfrm>
-            <a:off x="609120" y="273600"/>
-            <a:ext cx="10972440" cy="1144800"/>
+            <a:off x="457200" y="205200"/>
+            <a:ext cx="8229240" cy="859320"/>
           </a:xfrm>
           <a:prstGeom prst="rect">
             <a:avLst/>
@@ -1591,7 +1591,7 @@
               <a:solidFill>
                 <a:srgbClr val="000000"/>
               </a:solidFill>
-              <a:latin typeface="Calibri"/>
+              <a:latin typeface="Arial"/>
             </a:endParaRPr>
           </a:p>
         </p:txBody>
@@ -1603,7 +1603,7 @@
             <a:spLocks noGrp="1"/>
           </p:cNvSpPr>
           <p:nvPr>
-            <p:ph type="ftr" idx="2"/>
+            <p:ph type="ftr" idx="1"/>
           </p:nvPr>
         </p:nvSpPr>
         <p:spPr/>
@@ -1623,14 +1623,14 @@
             <a:spLocks noGrp="1"/>
           </p:cNvSpPr>
           <p:nvPr>
-            <p:ph type="sldNum" idx="3"/>
+            <p:ph type="sldNum" idx="2"/>
           </p:nvPr>
         </p:nvSpPr>
         <p:spPr/>
         <p:txBody>
           <a:bodyPr/>
           <a:p>
-            <a:fld id="{D036768E-FA68-4DF6-A678-805BA3D51131}" type="slidenum">
+            <a:fld id="{A6F15BD7-B365-4035-B63A-BE4BE51B396F}" type="slidenum">
               <a:t>&lt;#&gt;</a:t>
             </a:fld>
           </a:p>
@@ -1643,7 +1643,7 @@
             <a:spLocks noGrp="1"/>
           </p:cNvSpPr>
           <p:nvPr>
-            <p:ph type="dt" idx="1"/>
+            <p:ph type="dt" idx="3"/>
           </p:nvPr>
         </p:nvSpPr>
         <p:spPr/>
@@ -1691,8 +1691,8 @@
         </p:nvSpPr>
         <p:spPr>
           <a:xfrm>
-            <a:off x="609120" y="273600"/>
-            <a:ext cx="10972440" cy="5307840"/>
+            <a:off x="457200" y="205200"/>
+            <a:ext cx="8229240" cy="3984480"/>
           </a:xfrm>
           <a:prstGeom prst="rect">
             <a:avLst/>
@@ -1723,7 +1723,7 @@
             <a:spLocks noGrp="1"/>
           </p:cNvSpPr>
           <p:nvPr>
-            <p:ph type="ftr" idx="2"/>
+            <p:ph type="ftr" idx="1"/>
           </p:nvPr>
         </p:nvSpPr>
         <p:spPr/>
@@ -1743,14 +1743,14 @@
             <a:spLocks noGrp="1"/>
           </p:cNvSpPr>
           <p:nvPr>
-            <p:ph type="sldNum" idx="3"/>
+            <p:ph type="sldNum" idx="2"/>
           </p:nvPr>
         </p:nvSpPr>
         <p:spPr/>
         <p:txBody>
           <a:bodyPr/>
           <a:p>
-            <a:fld id="{715CEC79-4C6A-444B-8A79-F07C2F8129F5}" type="slidenum">
+            <a:fld id="{1FEBE722-3D1D-43D0-A149-6BD3CF6C1BBD}" type="slidenum">
               <a:t>&lt;#&gt;</a:t>
             </a:fld>
           </a:p>
@@ -1763,7 +1763,7 @@
             <a:spLocks noGrp="1"/>
           </p:cNvSpPr>
           <p:nvPr>
-            <p:ph type="dt" idx="1"/>
+            <p:ph type="dt" idx="3"/>
           </p:nvPr>
         </p:nvSpPr>
         <p:spPr/>
@@ -1811,8 +1811,8 @@
         </p:nvSpPr>
         <p:spPr>
           <a:xfrm>
-            <a:off x="609120" y="273600"/>
-            <a:ext cx="10972440" cy="1144800"/>
+            <a:off x="457200" y="205200"/>
+            <a:ext cx="8229240" cy="859320"/>
           </a:xfrm>
           <a:prstGeom prst="rect">
             <a:avLst/>
@@ -1831,7 +1831,7 @@
               <a:solidFill>
                 <a:srgbClr val="000000"/>
               </a:solidFill>
-              <a:latin typeface="Calibri"/>
+              <a:latin typeface="Arial"/>
             </a:endParaRPr>
           </a:p>
         </p:txBody>
@@ -1848,8 +1848,8 @@
         </p:nvSpPr>
         <p:spPr>
           <a:xfrm>
-            <a:off x="609120" y="1604520"/>
-            <a:ext cx="5354280" cy="1896840"/>
+            <a:off x="457200" y="1204560"/>
+            <a:ext cx="4015800" cy="1423800"/>
           </a:xfrm>
           <a:prstGeom prst="rect">
             <a:avLst/>
@@ -1877,7 +1877,7 @@
               <a:solidFill>
                 <a:srgbClr val="000000"/>
               </a:solidFill>
-              <a:latin typeface="Calibri"/>
+              <a:latin typeface="Arial"/>
             </a:endParaRPr>
           </a:p>
         </p:txBody>
@@ -1894,8 +1894,8 @@
         </p:nvSpPr>
         <p:spPr>
           <a:xfrm>
-            <a:off x="6231600" y="1604520"/>
-            <a:ext cx="5354280" cy="3977280"/>
+            <a:off x="4674240" y="1204560"/>
+            <a:ext cx="4015800" cy="2985480"/>
           </a:xfrm>
           <a:prstGeom prst="rect">
             <a:avLst/>
@@ -1923,7 +1923,7 @@
               <a:solidFill>
                 <a:srgbClr val="000000"/>
               </a:solidFill>
-              <a:latin typeface="Calibri"/>
+              <a:latin typeface="Arial"/>
             </a:endParaRPr>
           </a:p>
         </p:txBody>
@@ -1940,8 +1940,8 @@
         </p:nvSpPr>
         <p:spPr>
           <a:xfrm>
-            <a:off x="609120" y="3682080"/>
-            <a:ext cx="5354280" cy="1896840"/>
+            <a:off x="457200" y="2764080"/>
+            <a:ext cx="4015800" cy="1423800"/>
           </a:xfrm>
           <a:prstGeom prst="rect">
             <a:avLst/>
@@ -1969,7 +1969,7 @@
               <a:solidFill>
                 <a:srgbClr val="000000"/>
               </a:solidFill>
-              <a:latin typeface="Calibri"/>
+              <a:latin typeface="Arial"/>
             </a:endParaRPr>
           </a:p>
         </p:txBody>
@@ -1981,7 +1981,7 @@
             <a:spLocks noGrp="1"/>
           </p:cNvSpPr>
           <p:nvPr>
-            <p:ph type="ftr" idx="2"/>
+            <p:ph type="ftr" idx="1"/>
           </p:nvPr>
         </p:nvSpPr>
         <p:spPr/>
@@ -2001,14 +2001,14 @@
             <a:spLocks noGrp="1"/>
           </p:cNvSpPr>
           <p:nvPr>
-            <p:ph type="sldNum" idx="3"/>
+            <p:ph type="sldNum" idx="2"/>
           </p:nvPr>
         </p:nvSpPr>
         <p:spPr/>
         <p:txBody>
           <a:bodyPr/>
           <a:p>
-            <a:fld id="{86364DF3-3609-4337-A447-3102C090BBC2}" type="slidenum">
+            <a:fld id="{17C6DE45-EB3C-496A-B1F6-B961198EB07C}" type="slidenum">
               <a:t>&lt;#&gt;</a:t>
             </a:fld>
           </a:p>
@@ -2021,7 +2021,7 @@
             <a:spLocks noGrp="1"/>
           </p:cNvSpPr>
           <p:nvPr>
-            <p:ph type="dt" idx="1"/>
+            <p:ph type="dt" idx="3"/>
           </p:nvPr>
         </p:nvSpPr>
         <p:spPr/>
@@ -2069,8 +2069,8 @@
         </p:nvSpPr>
         <p:spPr>
           <a:xfrm>
-            <a:off x="609120" y="273600"/>
-            <a:ext cx="10972440" cy="1144800"/>
+            <a:off x="457200" y="205200"/>
+            <a:ext cx="8229240" cy="859320"/>
           </a:xfrm>
           <a:prstGeom prst="rect">
             <a:avLst/>
@@ -2089,7 +2089,7 @@
               <a:solidFill>
                 <a:srgbClr val="000000"/>
               </a:solidFill>
-              <a:latin typeface="Calibri"/>
+              <a:latin typeface="Arial"/>
             </a:endParaRPr>
           </a:p>
         </p:txBody>
@@ -2106,8 +2106,8 @@
         </p:nvSpPr>
         <p:spPr>
           <a:xfrm>
-            <a:off x="609120" y="1604520"/>
-            <a:ext cx="5354280" cy="3977280"/>
+            <a:off x="457200" y="1204560"/>
+            <a:ext cx="4015800" cy="2985480"/>
           </a:xfrm>
           <a:prstGeom prst="rect">
             <a:avLst/>
@@ -2135,7 +2135,7 @@
               <a:solidFill>
                 <a:srgbClr val="000000"/>
               </a:solidFill>
-              <a:latin typeface="Calibri"/>
+              <a:latin typeface="Arial"/>
             </a:endParaRPr>
           </a:p>
         </p:txBody>
@@ -2152,8 +2152,8 @@
         </p:nvSpPr>
         <p:spPr>
           <a:xfrm>
-            <a:off x="6231600" y="1604520"/>
-            <a:ext cx="5354280" cy="1896840"/>
+            <a:off x="4674240" y="1204560"/>
+            <a:ext cx="4015800" cy="1423800"/>
           </a:xfrm>
           <a:prstGeom prst="rect">
             <a:avLst/>
@@ -2181,7 +2181,7 @@
               <a:solidFill>
                 <a:srgbClr val="000000"/>
               </a:solidFill>
-              <a:latin typeface="Calibri"/>
+              <a:latin typeface="Arial"/>
             </a:endParaRPr>
           </a:p>
         </p:txBody>
@@ -2198,8 +2198,8 @@
         </p:nvSpPr>
         <p:spPr>
           <a:xfrm>
-            <a:off x="6231600" y="3682080"/>
-            <a:ext cx="5354280" cy="1896840"/>
+            <a:off x="4674240" y="2764080"/>
+            <a:ext cx="4015800" cy="1423800"/>
           </a:xfrm>
           <a:prstGeom prst="rect">
             <a:avLst/>
@@ -2227,7 +2227,7 @@
               <a:solidFill>
                 <a:srgbClr val="000000"/>
               </a:solidFill>
-              <a:latin typeface="Calibri"/>
+              <a:latin typeface="Arial"/>
             </a:endParaRPr>
           </a:p>
         </p:txBody>
@@ -2239,7 +2239,7 @@
             <a:spLocks noGrp="1"/>
           </p:cNvSpPr>
           <p:nvPr>
-            <p:ph type="ftr" idx="2"/>
+            <p:ph type="ftr" idx="1"/>
           </p:nvPr>
         </p:nvSpPr>
         <p:spPr/>
@@ -2259,14 +2259,14 @@
             <a:spLocks noGrp="1"/>
           </p:cNvSpPr>
           <p:nvPr>
-            <p:ph type="sldNum" idx="3"/>
+            <p:ph type="sldNum" idx="2"/>
           </p:nvPr>
         </p:nvSpPr>
         <p:spPr/>
         <p:txBody>
           <a:bodyPr/>
           <a:p>
-            <a:fld id="{CCDC64E1-1E83-4F4F-8E2D-31BD9ED2A5AE}" type="slidenum">
+            <a:fld id="{6BFB5381-8B94-42A2-852B-A8732DD0C2AC}" type="slidenum">
               <a:t>&lt;#&gt;</a:t>
             </a:fld>
           </a:p>
@@ -2279,7 +2279,7 @@
             <a:spLocks noGrp="1"/>
           </p:cNvSpPr>
           <p:nvPr>
-            <p:ph type="dt" idx="1"/>
+            <p:ph type="dt" idx="3"/>
           </p:nvPr>
         </p:nvSpPr>
         <p:spPr/>
@@ -2327,8 +2327,8 @@
         </p:nvSpPr>
         <p:spPr>
           <a:xfrm>
-            <a:off x="609120" y="273600"/>
-            <a:ext cx="10972440" cy="1144800"/>
+            <a:off x="457200" y="205200"/>
+            <a:ext cx="8229240" cy="859320"/>
           </a:xfrm>
           <a:prstGeom prst="rect">
             <a:avLst/>
@@ -2347,7 +2347,7 @@
               <a:solidFill>
                 <a:srgbClr val="000000"/>
               </a:solidFill>
-              <a:latin typeface="Calibri"/>
+              <a:latin typeface="Arial"/>
             </a:endParaRPr>
           </a:p>
         </p:txBody>
@@ -2364,8 +2364,8 @@
         </p:nvSpPr>
         <p:spPr>
           <a:xfrm>
-            <a:off x="609120" y="1604520"/>
-            <a:ext cx="5354280" cy="1896840"/>
+            <a:off x="457200" y="1204560"/>
+            <a:ext cx="4015800" cy="1423800"/>
           </a:xfrm>
           <a:prstGeom prst="rect">
             <a:avLst/>
@@ -2393,7 +2393,7 @@
               <a:solidFill>
                 <a:srgbClr val="000000"/>
               </a:solidFill>
-              <a:latin typeface="Calibri"/>
+              <a:latin typeface="Arial"/>
             </a:endParaRPr>
           </a:p>
         </p:txBody>
@@ -2410,8 +2410,8 @@
         </p:nvSpPr>
         <p:spPr>
           <a:xfrm>
-            <a:off x="6231600" y="1604520"/>
-            <a:ext cx="5354280" cy="1896840"/>
+            <a:off x="4674240" y="1204560"/>
+            <a:ext cx="4015800" cy="1423800"/>
           </a:xfrm>
           <a:prstGeom prst="rect">
             <a:avLst/>
@@ -2439,7 +2439,7 @@
               <a:solidFill>
                 <a:srgbClr val="000000"/>
               </a:solidFill>
-              <a:latin typeface="Calibri"/>
+              <a:latin typeface="Arial"/>
             </a:endParaRPr>
           </a:p>
         </p:txBody>
@@ -2456,8 +2456,8 @@
         </p:nvSpPr>
         <p:spPr>
           <a:xfrm>
-            <a:off x="609120" y="3682080"/>
-            <a:ext cx="10972440" cy="1896840"/>
+            <a:off x="457200" y="2764080"/>
+            <a:ext cx="8229240" cy="1423800"/>
           </a:xfrm>
           <a:prstGeom prst="rect">
             <a:avLst/>
@@ -2485,7 +2485,7 @@
               <a:solidFill>
                 <a:srgbClr val="000000"/>
               </a:solidFill>
-              <a:latin typeface="Calibri"/>
+              <a:latin typeface="Arial"/>
             </a:endParaRPr>
           </a:p>
         </p:txBody>
@@ -2497,7 +2497,7 @@
             <a:spLocks noGrp="1"/>
           </p:cNvSpPr>
           <p:nvPr>
-            <p:ph type="ftr" idx="2"/>
+            <p:ph type="ftr" idx="1"/>
           </p:nvPr>
         </p:nvSpPr>
         <p:spPr/>
@@ -2517,14 +2517,14 @@
             <a:spLocks noGrp="1"/>
           </p:cNvSpPr>
           <p:nvPr>
-            <p:ph type="sldNum" idx="3"/>
+            <p:ph type="sldNum" idx="2"/>
           </p:nvPr>
         </p:nvSpPr>
         <p:spPr/>
         <p:txBody>
           <a:bodyPr/>
           <a:p>
-            <a:fld id="{6CD31055-4D1E-4E3A-B52B-4875E32F2178}" type="slidenum">
+            <a:fld id="{89EA7D79-EBCF-4B60-BBB8-64CF3235265A}" type="slidenum">
               <a:t>&lt;#&gt;</a:t>
             </a:fld>
           </a:p>
@@ -2537,7 +2537,7 @@
             <a:spLocks noGrp="1"/>
           </p:cNvSpPr>
           <p:nvPr>
-            <p:ph type="dt" idx="1"/>
+            <p:ph type="dt" idx="3"/>
           </p:nvPr>
         </p:nvSpPr>
         <p:spPr/>
@@ -2587,24 +2587,154 @@
             <a:spLocks noGrp="1"/>
           </p:cNvSpPr>
           <p:nvPr>
-            <p:ph type="dt" idx="1"/>
-          </p:nvPr>
-        </p:nvSpPr>
-        <p:spPr>
-          <a:xfrm>
-            <a:off x="837720" y="6356520"/>
-            <a:ext cx="2742840" cy="364680"/>
-          </a:xfrm>
-          <a:prstGeom prst="rect">
-            <a:avLst/>
-          </a:prstGeom>
-          <a:noFill/>
-          <a:ln w="0">
-            <a:noFill/>
-          </a:ln>
-        </p:spPr>
-        <p:txBody>
-          <a:bodyPr anchor="ctr">
+            <p:ph type="ftr" idx="1"/>
+          </p:nvPr>
+        </p:nvSpPr>
+        <p:spPr>
+          <a:xfrm>
+            <a:off x="3027960" y="4770720"/>
+            <a:ext cx="3085560" cy="273600"/>
+          </a:xfrm>
+          <a:prstGeom prst="rect">
+            <a:avLst/>
+          </a:prstGeom>
+          <a:noFill/>
+          <a:ln w="0">
+            <a:noFill/>
+          </a:ln>
+        </p:spPr>
+        <p:txBody>
+          <a:bodyPr lIns="90000" rIns="90000" tIns="45000" bIns="45000" anchor="ctr">
+            <a:noAutofit/>
+          </a:bodyPr>
+          <a:lstStyle>
+            <a:lvl1pPr algn="ctr">
+              <a:lnSpc>
+                <a:spcPct val="100000"/>
+              </a:lnSpc>
+              <a:buNone/>
+              <a:defRPr b="0" lang="en-US" sz="1400" spc="-1" strike="noStrike">
+                <a:solidFill>
+                  <a:srgbClr val="000000"/>
+                </a:solidFill>
+                <a:latin typeface="Times New Roman"/>
+                <a:ea typeface="DejaVu Sans"/>
+              </a:defRPr>
+            </a:lvl1pPr>
+          </a:lstStyle>
+          <a:p>
+            <a:pPr algn="ctr">
+              <a:lnSpc>
+                <a:spcPct val="100000"/>
+              </a:lnSpc>
+              <a:buNone/>
+            </a:pPr>
+            <a:r>
+              <a:rPr b="0" lang="en-US" sz="1400" spc="-1" strike="noStrike">
+                <a:solidFill>
+                  <a:srgbClr val="000000"/>
+                </a:solidFill>
+                <a:latin typeface="Times New Roman"/>
+                <a:ea typeface="DejaVu Sans"/>
+              </a:rPr>
+              <a:t>&lt;footer&gt;</a:t>
+            </a:r>
+            <a:endParaRPr b="0" lang="en-US" sz="1400" spc="-1" strike="noStrike">
+              <a:latin typeface="Times New Roman"/>
+            </a:endParaRPr>
+          </a:p>
+        </p:txBody>
+      </p:sp>
+      <p:sp>
+        <p:nvSpPr>
+          <p:cNvPr id="1" name="PlaceHolder 2"/>
+          <p:cNvSpPr>
+            <a:spLocks noGrp="1"/>
+          </p:cNvSpPr>
+          <p:nvPr>
+            <p:ph type="sldNum" idx="2"/>
+          </p:nvPr>
+        </p:nvSpPr>
+        <p:spPr>
+          <a:xfrm>
+            <a:off x="6456960" y="4770720"/>
+            <a:ext cx="2056680" cy="273600"/>
+          </a:xfrm>
+          <a:prstGeom prst="rect">
+            <a:avLst/>
+          </a:prstGeom>
+          <a:noFill/>
+          <a:ln w="0">
+            <a:noFill/>
+          </a:ln>
+        </p:spPr>
+        <p:txBody>
+          <a:bodyPr lIns="90000" rIns="90000" tIns="45000" bIns="45000" anchor="ctr">
+            <a:noAutofit/>
+          </a:bodyPr>
+          <a:lstStyle>
+            <a:lvl1pPr algn="r">
+              <a:lnSpc>
+                <a:spcPct val="100000"/>
+              </a:lnSpc>
+              <a:buNone/>
+              <a:defRPr b="0" lang="ru-RU" sz="1200" spc="-1" strike="noStrike">
+                <a:solidFill>
+                  <a:srgbClr val="8b8b8b"/>
+                </a:solidFill>
+                <a:latin typeface="Calibri"/>
+                <a:ea typeface="DejaVu Sans"/>
+              </a:defRPr>
+            </a:lvl1pPr>
+          </a:lstStyle>
+          <a:p>
+            <a:pPr algn="r">
+              <a:lnSpc>
+                <a:spcPct val="100000"/>
+              </a:lnSpc>
+              <a:buNone/>
+            </a:pPr>
+            <a:fld id="{8D906C59-8587-43F9-9481-D37FC8BB31D6}" type="slidenum">
+              <a:rPr b="0" lang="ru-RU" sz="1200" spc="-1" strike="noStrike">
+                <a:solidFill>
+                  <a:srgbClr val="8b8b8b"/>
+                </a:solidFill>
+                <a:latin typeface="Calibri"/>
+                <a:ea typeface="DejaVu Sans"/>
+              </a:rPr>
+              <a:t>&lt;number&gt;</a:t>
+            </a:fld>
+            <a:endParaRPr b="0" lang="en-US" sz="1200" spc="-1" strike="noStrike">
+              <a:latin typeface="Times New Roman"/>
+            </a:endParaRPr>
+          </a:p>
+        </p:txBody>
+      </p:sp>
+      <p:sp>
+        <p:nvSpPr>
+          <p:cNvPr id="2" name="PlaceHolder 3"/>
+          <p:cNvSpPr>
+            <a:spLocks noGrp="1"/>
+          </p:cNvSpPr>
+          <p:nvPr>
+            <p:ph type="dt" idx="3"/>
+          </p:nvPr>
+        </p:nvSpPr>
+        <p:spPr>
+          <a:xfrm>
+            <a:off x="627840" y="4770720"/>
+            <a:ext cx="2056680" cy="273600"/>
+          </a:xfrm>
+          <a:prstGeom prst="rect">
+            <a:avLst/>
+          </a:prstGeom>
+          <a:noFill/>
+          <a:ln w="0">
+            <a:noFill/>
+          </a:ln>
+        </p:spPr>
+        <p:txBody>
+          <a:bodyPr lIns="90000" rIns="90000" tIns="45000" bIns="45000" anchor="ctr">
             <a:noAutofit/>
           </a:bodyPr>
           <a:lstStyle>
@@ -2629,98 +2759,6 @@
       </p:sp>
       <p:sp>
         <p:nvSpPr>
-          <p:cNvPr id="1" name="PlaceHolder 2"/>
-          <p:cNvSpPr>
-            <a:spLocks noGrp="1"/>
-          </p:cNvSpPr>
-          <p:nvPr>
-            <p:ph type="ftr" idx="2"/>
-          </p:nvPr>
-        </p:nvSpPr>
-        <p:spPr>
-          <a:xfrm>
-            <a:off x="4038120" y="6356520"/>
-            <a:ext cx="4114440" cy="364680"/>
-          </a:xfrm>
-          <a:prstGeom prst="rect">
-            <a:avLst/>
-          </a:prstGeom>
-          <a:noFill/>
-          <a:ln w="0">
-            <a:noFill/>
-          </a:ln>
-        </p:spPr>
-        <p:txBody>
-          <a:bodyPr anchor="ctr">
-            <a:noAutofit/>
-          </a:bodyPr>
-          <a:lstStyle>
-            <a:lvl1pPr algn="ctr">
-              <a:buNone/>
-              <a:defRPr b="0" lang="en-US" sz="1400" spc="-1" strike="noStrike">
-                <a:latin typeface="Times New Roman"/>
-              </a:defRPr>
-            </a:lvl1pPr>
-          </a:lstStyle>
-          <a:p>
-            <a:pPr algn="ctr">
-              <a:buNone/>
-            </a:pPr>
-            <a:r>
-              <a:rPr b="0" lang="en-US" sz="1400" spc="-1" strike="noStrike">
-                <a:latin typeface="Times New Roman"/>
-              </a:rPr>
-              <a:t>&lt;footer&gt;</a:t>
-            </a:r>
-            <a:endParaRPr b="0" lang="en-US" sz="1400" spc="-1" strike="noStrike">
-              <a:latin typeface="Times New Roman"/>
-            </a:endParaRPr>
-          </a:p>
-        </p:txBody>
-      </p:sp>
-      <p:sp>
-        <p:nvSpPr>
-          <p:cNvPr id="2" name="PlaceHolder 3"/>
-          <p:cNvSpPr>
-            <a:spLocks noGrp="1"/>
-          </p:cNvSpPr>
-          <p:nvPr>
-            <p:ph type="sldNum" idx="3"/>
-          </p:nvPr>
-        </p:nvSpPr>
-        <p:spPr>
-          <a:xfrm>
-            <a:off x="8610120" y="6356520"/>
-            <a:ext cx="2742840" cy="364680"/>
-          </a:xfrm>
-          <a:prstGeom prst="rect">
-            <a:avLst/>
-          </a:prstGeom>
-          <a:noFill/>
-          <a:ln w="0">
-            <a:noFill/>
-          </a:ln>
-        </p:spPr>
-        <p:txBody>
-          <a:bodyPr anchor="ctr">
-            <a:noAutofit/>
-          </a:bodyPr>
-          <a:lstStyle>
-            <a:lvl1pPr>
-              <a:defRPr b="0" lang="en-US" sz="2400" spc="-1" strike="noStrike">
-                <a:latin typeface="Times New Roman"/>
-              </a:defRPr>
-            </a:lvl1pPr>
-          </a:lstStyle>
-          <a:p>
-            <a:endParaRPr b="0" lang="en-US" sz="2400" spc="-1" strike="noStrike">
-              <a:latin typeface="Times New Roman"/>
-            </a:endParaRPr>
-          </a:p>
-        </p:txBody>
-      </p:sp>
-      <p:sp>
-        <p:nvSpPr>
           <p:cNvPr id="3" name="PlaceHolder 4"/>
           <p:cNvSpPr>
             <a:spLocks noGrp="1"/>
@@ -2731,8 +2769,8 @@
         </p:nvSpPr>
         <p:spPr>
           <a:xfrm>
-            <a:off x="609120" y="273600"/>
-            <a:ext cx="10972440" cy="1144800"/>
+            <a:off x="457200" y="205200"/>
+            <a:ext cx="8229240" cy="859320"/>
           </a:xfrm>
           <a:prstGeom prst="rect">
             <a:avLst/>
@@ -2752,359 +2790,177 @@
                 <a:solidFill>
                   <a:srgbClr val="000000"/>
                 </a:solidFill>
-                <a:latin typeface="Calibri"/>
+                <a:latin typeface="Arial"/>
               </a:rPr>
-              <a:t>C</a:t>
+              <a:t>Click to edit the title text format</a:t>
             </a:r>
+            <a:endParaRPr b="0" lang="ru-RU" sz="1800" spc="-1" strike="noStrike">
+              <a:solidFill>
+                <a:srgbClr val="000000"/>
+              </a:solidFill>
+              <a:latin typeface="Arial"/>
+            </a:endParaRPr>
+          </a:p>
+        </p:txBody>
+      </p:sp>
+      <p:sp>
+        <p:nvSpPr>
+          <p:cNvPr id="4" name="PlaceHolder 5"/>
+          <p:cNvSpPr>
+            <a:spLocks noGrp="1"/>
+          </p:cNvSpPr>
+          <p:nvPr>
+            <p:ph type="body"/>
+          </p:nvPr>
+        </p:nvSpPr>
+        <p:spPr>
+          <a:xfrm>
+            <a:off x="457200" y="1204560"/>
+            <a:ext cx="8229240" cy="2985480"/>
+          </a:xfrm>
+          <a:prstGeom prst="rect">
+            <a:avLst/>
+          </a:prstGeom>
+          <a:noFill/>
+          <a:ln w="0">
+            <a:noFill/>
+          </a:ln>
+        </p:spPr>
+        <p:txBody>
+          <a:bodyPr lIns="0" rIns="0" tIns="0" bIns="0" anchor="t">
+            <a:normAutofit/>
+          </a:bodyPr>
+          <a:p>
+            <a:pPr marL="432000" indent="-324000">
+              <a:lnSpc>
+                <a:spcPct val="90000"/>
+              </a:lnSpc>
+              <a:spcBef>
+                <a:spcPts val="1417"/>
+              </a:spcBef>
+              <a:buClr>
+                <a:srgbClr val="000000"/>
+              </a:buClr>
+              <a:buSzPct val="45000"/>
+              <a:buFont typeface="Wingdings" charset="2"/>
+              <a:buChar char=""/>
+            </a:pPr>
+            <a:r>
+              <a:rPr b="0" lang="ru-RU" sz="2800" spc="-1" strike="noStrike">
+                <a:solidFill>
+                  <a:srgbClr val="000000"/>
+                </a:solidFill>
+                <a:latin typeface="Arial"/>
+              </a:rPr>
+              <a:t>Click to edit the outline text format</a:t>
+            </a:r>
+            <a:endParaRPr b="0" lang="ru-RU" sz="2800" spc="-1" strike="noStrike">
+              <a:solidFill>
+                <a:srgbClr val="000000"/>
+              </a:solidFill>
+              <a:latin typeface="Arial"/>
+            </a:endParaRPr>
+          </a:p>
+          <a:p>
+            <a:pPr lvl="1" marL="864000" indent="-324000">
+              <a:lnSpc>
+                <a:spcPct val="90000"/>
+              </a:lnSpc>
+              <a:spcBef>
+                <a:spcPts val="1134"/>
+              </a:spcBef>
+              <a:buClr>
+                <a:srgbClr val="000000"/>
+              </a:buClr>
+              <a:buSzPct val="75000"/>
+              <a:buFont typeface="Symbol" charset="2"/>
+              <a:buChar char=""/>
+            </a:pPr>
+            <a:r>
+              <a:rPr b="0" lang="ru-RU" sz="2000" spc="-1" strike="noStrike">
+                <a:solidFill>
+                  <a:srgbClr val="000000"/>
+                </a:solidFill>
+                <a:latin typeface="Arial"/>
+              </a:rPr>
+              <a:t>Second Outline Level</a:t>
+            </a:r>
+            <a:endParaRPr b="0" lang="ru-RU" sz="2000" spc="-1" strike="noStrike">
+              <a:solidFill>
+                <a:srgbClr val="000000"/>
+              </a:solidFill>
+              <a:latin typeface="Arial"/>
+            </a:endParaRPr>
+          </a:p>
+          <a:p>
+            <a:pPr lvl="2" marL="1296000" indent="-288000">
+              <a:lnSpc>
+                <a:spcPct val="90000"/>
+              </a:lnSpc>
+              <a:spcBef>
+                <a:spcPts val="850"/>
+              </a:spcBef>
+              <a:buClr>
+                <a:srgbClr val="000000"/>
+              </a:buClr>
+              <a:buSzPct val="45000"/>
+              <a:buFont typeface="Wingdings" charset="2"/>
+              <a:buChar char=""/>
+            </a:pPr>
             <a:r>
               <a:rPr b="0" lang="ru-RU" sz="1800" spc="-1" strike="noStrike">
                 <a:solidFill>
                   <a:srgbClr val="000000"/>
                 </a:solidFill>
-                <a:latin typeface="Calibri"/>
+                <a:latin typeface="Arial"/>
               </a:rPr>
-              <a:t>l</a:t>
+              <a:t>Third Outline Level</a:t>
             </a:r>
+            <a:endParaRPr b="0" lang="ru-RU" sz="1800" spc="-1" strike="noStrike">
+              <a:solidFill>
+                <a:srgbClr val="000000"/>
+              </a:solidFill>
+              <a:latin typeface="Arial"/>
+            </a:endParaRPr>
+          </a:p>
+          <a:p>
+            <a:pPr lvl="3" marL="1728000" indent="-216000">
+              <a:lnSpc>
+                <a:spcPct val="90000"/>
+              </a:lnSpc>
+              <a:spcBef>
+                <a:spcPts val="567"/>
+              </a:spcBef>
+              <a:buClr>
+                <a:srgbClr val="000000"/>
+              </a:buClr>
+              <a:buSzPct val="75000"/>
+              <a:buFont typeface="Symbol" charset="2"/>
+              <a:buChar char=""/>
+            </a:pPr>
             <a:r>
               <a:rPr b="0" lang="ru-RU" sz="1800" spc="-1" strike="noStrike">
                 <a:solidFill>
                   <a:srgbClr val="000000"/>
                 </a:solidFill>
-                <a:latin typeface="Calibri"/>
+                <a:latin typeface="Arial"/>
               </a:rPr>
-              <a:t>i</a:t>
-            </a:r>
-            <a:r>
-              <a:rPr b="0" lang="ru-RU" sz="1800" spc="-1" strike="noStrike">
-                <a:solidFill>
-                  <a:srgbClr val="000000"/>
-                </a:solidFill>
-                <a:latin typeface="Calibri"/>
-              </a:rPr>
-              <a:t>c</a:t>
-            </a:r>
-            <a:r>
-              <a:rPr b="0" lang="ru-RU" sz="1800" spc="-1" strike="noStrike">
-                <a:solidFill>
-                  <a:srgbClr val="000000"/>
-                </a:solidFill>
-                <a:latin typeface="Calibri"/>
-              </a:rPr>
-              <a:t>k</a:t>
-            </a:r>
-            <a:r>
-              <a:rPr b="0" lang="ru-RU" sz="1800" spc="-1" strike="noStrike">
-                <a:solidFill>
-                  <a:srgbClr val="000000"/>
-                </a:solidFill>
-                <a:latin typeface="Calibri"/>
-              </a:rPr>
-              <a:t> </a:t>
-            </a:r>
-            <a:r>
-              <a:rPr b="0" lang="ru-RU" sz="1800" spc="-1" strike="noStrike">
-                <a:solidFill>
-                  <a:srgbClr val="000000"/>
-                </a:solidFill>
-                <a:latin typeface="Calibri"/>
-              </a:rPr>
-              <a:t>t</a:t>
-            </a:r>
-            <a:r>
-              <a:rPr b="0" lang="ru-RU" sz="1800" spc="-1" strike="noStrike">
-                <a:solidFill>
-                  <a:srgbClr val="000000"/>
-                </a:solidFill>
-                <a:latin typeface="Calibri"/>
-              </a:rPr>
-              <a:t>o</a:t>
-            </a:r>
-            <a:r>
-              <a:rPr b="0" lang="ru-RU" sz="1800" spc="-1" strike="noStrike">
-                <a:solidFill>
-                  <a:srgbClr val="000000"/>
-                </a:solidFill>
-                <a:latin typeface="Calibri"/>
-              </a:rPr>
-              <a:t> </a:t>
-            </a:r>
-            <a:r>
-              <a:rPr b="0" lang="ru-RU" sz="1800" spc="-1" strike="noStrike">
-                <a:solidFill>
-                  <a:srgbClr val="000000"/>
-                </a:solidFill>
-                <a:latin typeface="Calibri"/>
-              </a:rPr>
-              <a:t>e</a:t>
-            </a:r>
-            <a:r>
-              <a:rPr b="0" lang="ru-RU" sz="1800" spc="-1" strike="noStrike">
-                <a:solidFill>
-                  <a:srgbClr val="000000"/>
-                </a:solidFill>
-                <a:latin typeface="Calibri"/>
-              </a:rPr>
-              <a:t>d</a:t>
-            </a:r>
-            <a:r>
-              <a:rPr b="0" lang="ru-RU" sz="1800" spc="-1" strike="noStrike">
-                <a:solidFill>
-                  <a:srgbClr val="000000"/>
-                </a:solidFill>
-                <a:latin typeface="Calibri"/>
-              </a:rPr>
-              <a:t>i</a:t>
-            </a:r>
-            <a:r>
-              <a:rPr b="0" lang="ru-RU" sz="1800" spc="-1" strike="noStrike">
-                <a:solidFill>
-                  <a:srgbClr val="000000"/>
-                </a:solidFill>
-                <a:latin typeface="Calibri"/>
-              </a:rPr>
-              <a:t>t</a:t>
-            </a:r>
-            <a:r>
-              <a:rPr b="0" lang="ru-RU" sz="1800" spc="-1" strike="noStrike">
-                <a:solidFill>
-                  <a:srgbClr val="000000"/>
-                </a:solidFill>
-                <a:latin typeface="Calibri"/>
-              </a:rPr>
-              <a:t> </a:t>
-            </a:r>
-            <a:r>
-              <a:rPr b="0" lang="ru-RU" sz="1800" spc="-1" strike="noStrike">
-                <a:solidFill>
-                  <a:srgbClr val="000000"/>
-                </a:solidFill>
-                <a:latin typeface="Calibri"/>
-              </a:rPr>
-              <a:t>t</a:t>
-            </a:r>
-            <a:r>
-              <a:rPr b="0" lang="ru-RU" sz="1800" spc="-1" strike="noStrike">
-                <a:solidFill>
-                  <a:srgbClr val="000000"/>
-                </a:solidFill>
-                <a:latin typeface="Calibri"/>
-              </a:rPr>
-              <a:t>h</a:t>
-            </a:r>
-            <a:r>
-              <a:rPr b="0" lang="ru-RU" sz="1800" spc="-1" strike="noStrike">
-                <a:solidFill>
-                  <a:srgbClr val="000000"/>
-                </a:solidFill>
-                <a:latin typeface="Calibri"/>
-              </a:rPr>
-              <a:t>e</a:t>
-            </a:r>
-            <a:r>
-              <a:rPr b="0" lang="ru-RU" sz="1800" spc="-1" strike="noStrike">
-                <a:solidFill>
-                  <a:srgbClr val="000000"/>
-                </a:solidFill>
-                <a:latin typeface="Calibri"/>
-              </a:rPr>
-              <a:t> </a:t>
-            </a:r>
-            <a:r>
-              <a:rPr b="0" lang="ru-RU" sz="1800" spc="-1" strike="noStrike">
-                <a:solidFill>
-                  <a:srgbClr val="000000"/>
-                </a:solidFill>
-                <a:latin typeface="Calibri"/>
-              </a:rPr>
-              <a:t>t</a:t>
-            </a:r>
-            <a:r>
-              <a:rPr b="0" lang="ru-RU" sz="1800" spc="-1" strike="noStrike">
-                <a:solidFill>
-                  <a:srgbClr val="000000"/>
-                </a:solidFill>
-                <a:latin typeface="Calibri"/>
-              </a:rPr>
-              <a:t>i</a:t>
-            </a:r>
-            <a:r>
-              <a:rPr b="0" lang="ru-RU" sz="1800" spc="-1" strike="noStrike">
-                <a:solidFill>
-                  <a:srgbClr val="000000"/>
-                </a:solidFill>
-                <a:latin typeface="Calibri"/>
-              </a:rPr>
-              <a:t>t</a:t>
-            </a:r>
-            <a:r>
-              <a:rPr b="0" lang="ru-RU" sz="1800" spc="-1" strike="noStrike">
-                <a:solidFill>
-                  <a:srgbClr val="000000"/>
-                </a:solidFill>
-                <a:latin typeface="Calibri"/>
-              </a:rPr>
-              <a:t>l</a:t>
-            </a:r>
-            <a:r>
-              <a:rPr b="0" lang="ru-RU" sz="1800" spc="-1" strike="noStrike">
-                <a:solidFill>
-                  <a:srgbClr val="000000"/>
-                </a:solidFill>
-                <a:latin typeface="Calibri"/>
-              </a:rPr>
-              <a:t>e</a:t>
-            </a:r>
-            <a:r>
-              <a:rPr b="0" lang="ru-RU" sz="1800" spc="-1" strike="noStrike">
-                <a:solidFill>
-                  <a:srgbClr val="000000"/>
-                </a:solidFill>
-                <a:latin typeface="Calibri"/>
-              </a:rPr>
-              <a:t> </a:t>
-            </a:r>
-            <a:r>
-              <a:rPr b="0" lang="ru-RU" sz="1800" spc="-1" strike="noStrike">
-                <a:solidFill>
-                  <a:srgbClr val="000000"/>
-                </a:solidFill>
-                <a:latin typeface="Calibri"/>
-              </a:rPr>
-              <a:t>t</a:t>
-            </a:r>
-            <a:r>
-              <a:rPr b="0" lang="ru-RU" sz="1800" spc="-1" strike="noStrike">
-                <a:solidFill>
-                  <a:srgbClr val="000000"/>
-                </a:solidFill>
-                <a:latin typeface="Calibri"/>
-              </a:rPr>
-              <a:t>e</a:t>
-            </a:r>
-            <a:r>
-              <a:rPr b="0" lang="ru-RU" sz="1800" spc="-1" strike="noStrike">
-                <a:solidFill>
-                  <a:srgbClr val="000000"/>
-                </a:solidFill>
-                <a:latin typeface="Calibri"/>
-              </a:rPr>
-              <a:t>x</a:t>
-            </a:r>
-            <a:r>
-              <a:rPr b="0" lang="ru-RU" sz="1800" spc="-1" strike="noStrike">
-                <a:solidFill>
-                  <a:srgbClr val="000000"/>
-                </a:solidFill>
-                <a:latin typeface="Calibri"/>
-              </a:rPr>
-              <a:t>t</a:t>
-            </a:r>
-            <a:r>
-              <a:rPr b="0" lang="ru-RU" sz="1800" spc="-1" strike="noStrike">
-                <a:solidFill>
-                  <a:srgbClr val="000000"/>
-                </a:solidFill>
-                <a:latin typeface="Calibri"/>
-              </a:rPr>
-              <a:t> </a:t>
-            </a:r>
-            <a:r>
-              <a:rPr b="0" lang="ru-RU" sz="1800" spc="-1" strike="noStrike">
-                <a:solidFill>
-                  <a:srgbClr val="000000"/>
-                </a:solidFill>
-                <a:latin typeface="Calibri"/>
-              </a:rPr>
-              <a:t>f</a:t>
-            </a:r>
-            <a:r>
-              <a:rPr b="0" lang="ru-RU" sz="1800" spc="-1" strike="noStrike">
-                <a:solidFill>
-                  <a:srgbClr val="000000"/>
-                </a:solidFill>
-                <a:latin typeface="Calibri"/>
-              </a:rPr>
-              <a:t>o</a:t>
-            </a:r>
-            <a:r>
-              <a:rPr b="0" lang="ru-RU" sz="1800" spc="-1" strike="noStrike">
-                <a:solidFill>
-                  <a:srgbClr val="000000"/>
-                </a:solidFill>
-                <a:latin typeface="Calibri"/>
-              </a:rPr>
-              <a:t>r</a:t>
-            </a:r>
-            <a:r>
-              <a:rPr b="0" lang="ru-RU" sz="1800" spc="-1" strike="noStrike">
-                <a:solidFill>
-                  <a:srgbClr val="000000"/>
-                </a:solidFill>
-                <a:latin typeface="Calibri"/>
-              </a:rPr>
-              <a:t>m</a:t>
-            </a:r>
-            <a:r>
-              <a:rPr b="0" lang="ru-RU" sz="1800" spc="-1" strike="noStrike">
-                <a:solidFill>
-                  <a:srgbClr val="000000"/>
-                </a:solidFill>
-                <a:latin typeface="Calibri"/>
-              </a:rPr>
-              <a:t>a</a:t>
-            </a:r>
-            <a:r>
-              <a:rPr b="0" lang="ru-RU" sz="1800" spc="-1" strike="noStrike">
-                <a:solidFill>
-                  <a:srgbClr val="000000"/>
-                </a:solidFill>
-                <a:latin typeface="Calibri"/>
-              </a:rPr>
-              <a:t>t</a:t>
+              <a:t>Fourth Outline Level</a:t>
             </a:r>
             <a:endParaRPr b="0" lang="ru-RU" sz="1800" spc="-1" strike="noStrike">
               <a:solidFill>
                 <a:srgbClr val="000000"/>
               </a:solidFill>
-              <a:latin typeface="Calibri"/>
-            </a:endParaRPr>
-          </a:p>
-        </p:txBody>
-      </p:sp>
-      <p:sp>
-        <p:nvSpPr>
-          <p:cNvPr id="4" name="PlaceHolder 5"/>
-          <p:cNvSpPr>
-            <a:spLocks noGrp="1"/>
-          </p:cNvSpPr>
-          <p:nvPr>
-            <p:ph type="body"/>
-          </p:nvPr>
-        </p:nvSpPr>
-        <p:spPr>
-          <a:xfrm>
-            <a:off x="609120" y="1604520"/>
-            <a:ext cx="10972440" cy="3977280"/>
-          </a:xfrm>
-          <a:prstGeom prst="rect">
-            <a:avLst/>
-          </a:prstGeom>
-          <a:noFill/>
-          <a:ln w="0">
-            <a:noFill/>
-          </a:ln>
-        </p:spPr>
-        <p:txBody>
-          <a:bodyPr lIns="0" rIns="0" tIns="0" bIns="0" anchor="t">
-            <a:normAutofit/>
-          </a:bodyPr>
-          <a:p>
-            <a:pPr marL="432000" indent="-324000">
+              <a:latin typeface="Arial"/>
+            </a:endParaRPr>
+          </a:p>
+          <a:p>
+            <a:pPr lvl="4" marL="2160000" indent="-216000">
               <a:lnSpc>
                 <a:spcPct val="90000"/>
               </a:lnSpc>
               <a:spcBef>
-                <a:spcPts val="1417"/>
+                <a:spcPts val="283"/>
               </a:spcBef>
               <a:buClr>
                 <a:srgbClr val="000000"/>
@@ -3112,118 +2968,25 @@
               <a:buSzPct val="45000"/>
               <a:buFont typeface="Wingdings" charset="2"/>
               <a:buChar char=""/>
-            </a:pPr>
-            <a:r>
-              <a:rPr b="0" lang="ru-RU" sz="2800" spc="-1" strike="noStrike">
-                <a:solidFill>
-                  <a:srgbClr val="000000"/>
-                </a:solidFill>
-                <a:latin typeface="Calibri"/>
-              </a:rPr>
-              <a:t>Click to edit the outline text format</a:t>
-            </a:r>
-            <a:endParaRPr b="0" lang="ru-RU" sz="2800" spc="-1" strike="noStrike">
-              <a:solidFill>
-                <a:srgbClr val="000000"/>
-              </a:solidFill>
-              <a:latin typeface="Calibri"/>
-            </a:endParaRPr>
-          </a:p>
-          <a:p>
-            <a:pPr lvl="1" marL="864000" indent="-324000">
-              <a:lnSpc>
-                <a:spcPct val="90000"/>
-              </a:lnSpc>
-              <a:spcBef>
-                <a:spcPts val="1134"/>
-              </a:spcBef>
-              <a:buClr>
-                <a:srgbClr val="000000"/>
-              </a:buClr>
-              <a:buSzPct val="75000"/>
-              <a:buFont typeface="Symbol" charset="2"/>
-              <a:buChar char=""/>
             </a:pPr>
             <a:r>
               <a:rPr b="0" lang="ru-RU" sz="2000" spc="-1" strike="noStrike">
                 <a:solidFill>
                   <a:srgbClr val="000000"/>
                 </a:solidFill>
-                <a:latin typeface="Calibri"/>
+                <a:latin typeface="Arial"/>
               </a:rPr>
-              <a:t>Second Outline Level</a:t>
+              <a:t>Fifth Outline Level</a:t>
             </a:r>
             <a:endParaRPr b="0" lang="ru-RU" sz="2000" spc="-1" strike="noStrike">
               <a:solidFill>
                 <a:srgbClr val="000000"/>
               </a:solidFill>
-              <a:latin typeface="Calibri"/>
-            </a:endParaRPr>
-          </a:p>
-          <a:p>
-            <a:pPr lvl="2" marL="1296000" indent="-288000">
-              <a:lnSpc>
-                <a:spcPct val="90000"/>
-              </a:lnSpc>
-              <a:spcBef>
-                <a:spcPts val="850"/>
-              </a:spcBef>
-              <a:buClr>
-                <a:srgbClr val="000000"/>
-              </a:buClr>
-              <a:buSzPct val="45000"/>
-              <a:buFont typeface="Wingdings" charset="2"/>
-              <a:buChar char=""/>
-            </a:pPr>
-            <a:r>
-              <a:rPr b="0" lang="ru-RU" sz="1800" spc="-1" strike="noStrike">
-                <a:solidFill>
-                  <a:srgbClr val="000000"/>
-                </a:solidFill>
-                <a:latin typeface="Calibri"/>
-              </a:rPr>
-              <a:t>Third Outline Level</a:t>
-            </a:r>
-            <a:endParaRPr b="0" lang="ru-RU" sz="1800" spc="-1" strike="noStrike">
-              <a:solidFill>
-                <a:srgbClr val="000000"/>
-              </a:solidFill>
-              <a:latin typeface="Calibri"/>
-            </a:endParaRPr>
-          </a:p>
-          <a:p>
-            <a:pPr lvl="3" marL="1728000" indent="-216000">
-              <a:lnSpc>
-                <a:spcPct val="90000"/>
-              </a:lnSpc>
-              <a:spcBef>
-                <a:spcPts val="567"/>
-              </a:spcBef>
-              <a:buClr>
-                <a:srgbClr val="000000"/>
-              </a:buClr>
-              <a:buSzPct val="75000"/>
-              <a:buFont typeface="Symbol" charset="2"/>
-              <a:buChar char=""/>
-            </a:pPr>
-            <a:r>
-              <a:rPr b="0" lang="ru-RU" sz="1800" spc="-1" strike="noStrike">
-                <a:solidFill>
-                  <a:srgbClr val="000000"/>
-                </a:solidFill>
-                <a:latin typeface="Calibri"/>
-              </a:rPr>
-              <a:t>Fourth Outline Level</a:t>
-            </a:r>
-            <a:endParaRPr b="0" lang="ru-RU" sz="1800" spc="-1" strike="noStrike">
-              <a:solidFill>
-                <a:srgbClr val="000000"/>
-              </a:solidFill>
-              <a:latin typeface="Calibri"/>
-            </a:endParaRPr>
-          </a:p>
-          <a:p>
-            <a:pPr lvl="4" marL="2160000" indent="-216000">
+              <a:latin typeface="Arial"/>
+            </a:endParaRPr>
+          </a:p>
+          <a:p>
+            <a:pPr lvl="5" marL="2592000" indent="-216000">
               <a:lnSpc>
                 <a:spcPct val="90000"/>
               </a:lnSpc>
@@ -3242,19 +3005,19 @@
                 <a:solidFill>
                   <a:srgbClr val="000000"/>
                 </a:solidFill>
-                <a:latin typeface="Calibri"/>
+                <a:latin typeface="Arial"/>
               </a:rPr>
-              <a:t>Fifth Outline Level</a:t>
+              <a:t>Sixth Outline Level</a:t>
             </a:r>
             <a:endParaRPr b="0" lang="ru-RU" sz="2000" spc="-1" strike="noStrike">
               <a:solidFill>
                 <a:srgbClr val="000000"/>
               </a:solidFill>
-              <a:latin typeface="Calibri"/>
-            </a:endParaRPr>
-          </a:p>
-          <a:p>
-            <a:pPr lvl="5" marL="2592000" indent="-216000">
+              <a:latin typeface="Arial"/>
+            </a:endParaRPr>
+          </a:p>
+          <a:p>
+            <a:pPr lvl="6" marL="3024000" indent="-216000">
               <a:lnSpc>
                 <a:spcPct val="90000"/>
               </a:lnSpc>
@@ -3273,38 +3036,7 @@
                 <a:solidFill>
                   <a:srgbClr val="000000"/>
                 </a:solidFill>
-                <a:latin typeface="Calibri"/>
-              </a:rPr>
-              <a:t>Sixth Outline Level</a:t>
-            </a:r>
-            <a:endParaRPr b="0" lang="ru-RU" sz="2000" spc="-1" strike="noStrike">
-              <a:solidFill>
-                <a:srgbClr val="000000"/>
-              </a:solidFill>
-              <a:latin typeface="Calibri"/>
-            </a:endParaRPr>
-          </a:p>
-          <a:p>
-            <a:pPr lvl="6" marL="3024000" indent="-216000">
-              <a:lnSpc>
-                <a:spcPct val="90000"/>
-              </a:lnSpc>
-              <a:spcBef>
-                <a:spcPts val="283"/>
-              </a:spcBef>
-              <a:buClr>
-                <a:srgbClr val="000000"/>
-              </a:buClr>
-              <a:buSzPct val="45000"/>
-              <a:buFont typeface="Wingdings" charset="2"/>
-              <a:buChar char=""/>
-            </a:pPr>
-            <a:r>
-              <a:rPr b="0" lang="ru-RU" sz="2000" spc="-1" strike="noStrike">
-                <a:solidFill>
-                  <a:srgbClr val="000000"/>
-                </a:solidFill>
-                <a:latin typeface="Calibri"/>
+                <a:latin typeface="Arial"/>
               </a:rPr>
               <a:t>Seventh Outline Level</a:t>
             </a:r>
@@ -3312,7 +3044,7 @@
               <a:solidFill>
                 <a:srgbClr val="000000"/>
               </a:solidFill>
-              <a:latin typeface="Calibri"/>
+              <a:latin typeface="Arial"/>
             </a:endParaRPr>
           </a:p>
         </p:txBody>
@@ -3356,116 +3088,14 @@
       </p:grpSpPr>
       <p:sp>
         <p:nvSpPr>
-          <p:cNvPr id="41" name="Прямоугольник 1"/>
+          <p:cNvPr id="41" name="Скругленный прямоугольник 5"/>
           <p:cNvSpPr/>
           <p:nvPr/>
         </p:nvSpPr>
         <p:spPr>
           <a:xfrm>
-            <a:off x="672120" y="487440"/>
-            <a:ext cx="10845720" cy="1168200"/>
-          </a:xfrm>
-          <a:prstGeom prst="rect">
-            <a:avLst/>
-          </a:prstGeom>
-          <a:noFill/>
-          <a:ln w="0">
-            <a:noFill/>
-          </a:ln>
-        </p:spPr>
-        <p:style>
-          <a:lnRef idx="0"/>
-          <a:fillRef idx="0"/>
-          <a:effectRef idx="0"/>
-          <a:fontRef idx="minor"/>
-        </p:style>
-        <p:txBody>
-          <a:bodyPr lIns="90000" rIns="90000" tIns="45000" bIns="45000" anchor="t">
-            <a:normAutofit/>
-          </a:bodyPr>
-          <a:p>
-            <a:pPr>
-              <a:lnSpc>
-                <a:spcPts val="4201"/>
-              </a:lnSpc>
-              <a:buNone/>
-            </a:pPr>
-            <a:r>
-              <a:rPr b="1" lang="en-US" sz="3000" spc="-1" strike="noStrike">
-                <a:solidFill>
-                  <a:srgbClr val="000000"/>
-                </a:solidFill>
-                <a:latin typeface="Arial Black"/>
-              </a:rPr>
-              <a:t>TITLE</a:t>
-            </a:r>
-            <a:endParaRPr b="0" lang="en-US" sz="3000" spc="-1" strike="noStrike">
-              <a:latin typeface="Arial"/>
-            </a:endParaRPr>
-          </a:p>
-        </p:txBody>
-      </p:sp>
-      <p:sp>
-        <p:nvSpPr>
-          <p:cNvPr id="42" name="Прямоугольник 2"/>
-          <p:cNvSpPr/>
-          <p:nvPr/>
-        </p:nvSpPr>
-        <p:spPr>
-          <a:xfrm>
-            <a:off x="672120" y="1670760"/>
-            <a:ext cx="5018400" cy="4604760"/>
-          </a:xfrm>
-          <a:prstGeom prst="rect">
-            <a:avLst/>
-          </a:prstGeom>
-          <a:noFill/>
-          <a:ln w="0">
-            <a:noFill/>
-          </a:ln>
-        </p:spPr>
-        <p:style>
-          <a:lnRef idx="0"/>
-          <a:fillRef idx="0"/>
-          <a:effectRef idx="0"/>
-          <a:fontRef idx="minor"/>
-        </p:style>
-        <p:txBody>
-          <a:bodyPr lIns="90000" rIns="90000" tIns="45000" bIns="45000" anchor="t">
-            <a:normAutofit/>
-          </a:bodyPr>
-          <a:p>
-            <a:pPr>
-              <a:lnSpc>
-                <a:spcPts val="2200"/>
-              </a:lnSpc>
-              <a:buNone/>
-            </a:pPr>
-            <a:r>
-              <a:rPr b="0" lang="en-US" sz="1600" spc="-1" strike="noStrike">
-                <a:solidFill>
-                  <a:srgbClr val="262626"/>
-                </a:solidFill>
-                <a:latin typeface="Arial"/>
-              </a:rPr>
-              <a:t>TEXT</a:t>
-            </a:r>
-            <a:endParaRPr b="0" lang="en-US" sz="1600" spc="-1" strike="noStrike">
-              <a:latin typeface="Arial"/>
-            </a:endParaRPr>
-          </a:p>
-        </p:txBody>
-      </p:sp>
-      <p:sp>
-        <p:nvSpPr>
-          <p:cNvPr id="43" name="Скругленный прямоугольник 5"/>
-          <p:cNvSpPr/>
-          <p:nvPr/>
-        </p:nvSpPr>
-        <p:spPr>
-          <a:xfrm>
-            <a:off x="7165800" y="1923120"/>
-            <a:ext cx="4352400" cy="4352400"/>
+            <a:off x="5373720" y="1442880"/>
+            <a:ext cx="3263760" cy="3266280"/>
           </a:xfrm>
           <a:prstGeom prst="roundRect">
             <a:avLst>
@@ -3496,23 +3126,23 @@
       </p:sp>
       <p:sp>
         <p:nvSpPr>
-          <p:cNvPr id="44" name="Скругленный прямоугольник 6"/>
+          <p:cNvPr id="42" name="Прямоугольник со скругленными углами 3"/>
           <p:cNvSpPr/>
           <p:nvPr/>
         </p:nvSpPr>
         <p:spPr>
           <a:xfrm>
-            <a:off x="6509520" y="2168280"/>
-            <a:ext cx="4762800" cy="3862080"/>
+            <a:off x="4883040" y="1627560"/>
+            <a:ext cx="3565800" cy="2898360"/>
           </a:xfrm>
           <a:prstGeom prst="roundRect">
             <a:avLst>
-              <a:gd name="adj" fmla="val 9000"/>
+              <a:gd name="adj" fmla="val 9185"/>
             </a:avLst>
           </a:prstGeom>
           <a:solidFill>
             <a:schemeClr val="bg1">
-              <a:lumMod val="95000"/>
+              <a:lumMod val="85000"/>
             </a:schemeClr>
           </a:solidFill>
           <a:ln>
@@ -3535,7 +3165,7 @@
         </p:style>
         <p:txBody>
           <a:bodyPr lIns="90000" rIns="90000" tIns="45000" bIns="45000" anchor="ctr">
-            <a:normAutofit/>
+            <a:noAutofit/>
           </a:bodyPr>
           <a:p>
             <a:pPr algn="ctr">
@@ -3547,9 +3177,10 @@
             <a:r>
               <a:rPr b="0" lang="en-US" sz="1800" spc="-1" strike="noStrike">
                 <a:solidFill>
-                  <a:srgbClr val="ffffff"/>
+                  <a:srgbClr val="000000"/>
                 </a:solidFill>
                 <a:latin typeface="Calibri"/>
+                <a:ea typeface="DejaVu Sans"/>
               </a:rPr>
               <a:t>PIC</a:t>
             </a:r>
@@ -3561,14 +3192,14 @@
       </p:sp>
       <p:sp>
         <p:nvSpPr>
-          <p:cNvPr id="45" name="Прямая соединительная линия 27"/>
+          <p:cNvPr id="43" name="Прямая соединительная линия 27"/>
           <p:cNvSpPr/>
           <p:nvPr/>
         </p:nvSpPr>
         <p:spPr>
           <a:xfrm>
-            <a:off x="360" y="218160"/>
-            <a:ext cx="1668960" cy="360"/>
+            <a:off x="720" y="163080"/>
+            <a:ext cx="1251720" cy="360"/>
           </a:xfrm>
           <a:prstGeom prst="line">
             <a:avLst/>
@@ -3596,14 +3227,14 @@
       </p:sp>
       <p:sp>
         <p:nvSpPr>
-          <p:cNvPr id="46" name="Прямая соединительная линия 29"/>
+          <p:cNvPr id="44" name="Прямая соединительная линия 29"/>
           <p:cNvSpPr/>
           <p:nvPr/>
         </p:nvSpPr>
         <p:spPr>
           <a:xfrm>
-            <a:off x="1746360" y="321480"/>
-            <a:ext cx="360" cy="237600"/>
+            <a:off x="1309680" y="240480"/>
+            <a:ext cx="360" cy="178200"/>
           </a:xfrm>
           <a:prstGeom prst="line">
             <a:avLst/>
@@ -3631,14 +3262,14 @@
       </p:sp>
       <p:sp>
         <p:nvSpPr>
-          <p:cNvPr id="47" name="Прямая соединительная линия 33"/>
+          <p:cNvPr id="45" name="Прямая соединительная линия 33"/>
           <p:cNvSpPr/>
           <p:nvPr/>
         </p:nvSpPr>
         <p:spPr>
           <a:xfrm>
-            <a:off x="9459720" y="6318720"/>
-            <a:ext cx="360" cy="539280"/>
+            <a:off x="7094520" y="4742280"/>
+            <a:ext cx="360" cy="404640"/>
           </a:xfrm>
           <a:prstGeom prst="line">
             <a:avLst/>
@@ -3667,7 +3298,7 @@
       </p:sp>
       <p:pic>
         <p:nvPicPr>
-          <p:cNvPr id="48" name="Рисунок 8" descr=""/>
+          <p:cNvPr id="46" name="Рисунок 8" descr=""/>
           <p:cNvPicPr/>
           <p:nvPr/>
         </p:nvPicPr>
@@ -3677,8 +3308,8 @@
         </p:blipFill>
         <p:spPr>
           <a:xfrm>
-            <a:off x="-191880" y="6427440"/>
-            <a:ext cx="1110960" cy="321480"/>
+            <a:off x="-143280" y="4824000"/>
+            <a:ext cx="832680" cy="240840"/>
           </a:xfrm>
           <a:prstGeom prst="rect">
             <a:avLst/>
@@ -3688,6 +3319,110 @@
           </a:ln>
         </p:spPr>
       </p:pic>
+      <p:sp>
+        <p:nvSpPr>
+          <p:cNvPr id="47" name="TextBox 6"/>
+          <p:cNvSpPr/>
+          <p:nvPr/>
+        </p:nvSpPr>
+        <p:spPr>
+          <a:xfrm>
+            <a:off x="509400" y="1240200"/>
+            <a:ext cx="4062240" cy="3134520"/>
+          </a:xfrm>
+          <a:prstGeom prst="rect">
+            <a:avLst/>
+          </a:prstGeom>
+          <a:noFill/>
+          <a:ln w="0">
+            <a:noFill/>
+          </a:ln>
+        </p:spPr>
+        <p:style>
+          <a:lnRef idx="0"/>
+          <a:fillRef idx="0"/>
+          <a:effectRef idx="0"/>
+          <a:fontRef idx="minor"/>
+        </p:style>
+        <p:txBody>
+          <a:bodyPr lIns="90000" rIns="90000" tIns="45000" bIns="45000" anchor="t">
+            <a:noAutofit/>
+          </a:bodyPr>
+          <a:p>
+            <a:pPr>
+              <a:lnSpc>
+                <a:spcPct val="100000"/>
+              </a:lnSpc>
+              <a:buNone/>
+            </a:pPr>
+            <a:r>
+              <a:rPr b="0" lang="en-US" sz="1200" spc="-1" strike="noStrike">
+                <a:solidFill>
+                  <a:srgbClr val="000000"/>
+                </a:solidFill>
+                <a:latin typeface="Arial"/>
+                <a:ea typeface="DejaVu Sans"/>
+              </a:rPr>
+              <a:t>TEXT</a:t>
+            </a:r>
+            <a:endParaRPr b="0" lang="en-US" sz="1200" spc="-1" strike="noStrike">
+              <a:latin typeface="Arial"/>
+            </a:endParaRPr>
+          </a:p>
+        </p:txBody>
+      </p:sp>
+      <p:sp>
+        <p:nvSpPr>
+          <p:cNvPr id="48" name="TextBox 10"/>
+          <p:cNvSpPr/>
+          <p:nvPr/>
+        </p:nvSpPr>
+        <p:spPr>
+          <a:xfrm>
+            <a:off x="505800" y="398160"/>
+            <a:ext cx="8132040" cy="835920"/>
+          </a:xfrm>
+          <a:prstGeom prst="rect">
+            <a:avLst/>
+          </a:prstGeom>
+          <a:noFill/>
+          <a:ln w="0">
+            <a:noFill/>
+          </a:ln>
+        </p:spPr>
+        <p:style>
+          <a:lnRef idx="0"/>
+          <a:fillRef idx="0"/>
+          <a:effectRef idx="0"/>
+          <a:fontRef idx="minor"/>
+        </p:style>
+        <p:txBody>
+          <a:bodyPr lIns="90000" rIns="90000" tIns="45000" bIns="45000" anchor="t">
+            <a:noAutofit/>
+          </a:bodyPr>
+          <a:p>
+            <a:pPr>
+              <a:lnSpc>
+                <a:spcPct val="100000"/>
+              </a:lnSpc>
+              <a:buNone/>
+            </a:pPr>
+            <a:r>
+              <a:rPr b="1" lang="en-US" sz="2100" spc="-1" strike="noStrike">
+                <a:solidFill>
+                  <a:srgbClr val="262626"/>
+                </a:solidFill>
+                <a:latin typeface="Arial Black"/>
+                <a:ea typeface="DejaVu Sans"/>
+              </a:rPr>
+              <a:t>TITLE</a:t>
+            </a:r>
+            <a:endParaRPr b="0" lang="en-US" sz="2100" spc="-1" strike="noStrike">
+              <a:latin typeface="Arial"/>
+            </a:endParaRPr>
+          </a:p>
+        </p:txBody>
+      </p:sp>
     </p:spTree>
   </p:cSld>
   <mc:AlternateContent>
